--- a/Project/CRMRetention/마케팅 도메인지식 인포그래픽.pptx
+++ b/Project/CRMRetention/마케팅 도메인지식 인포그래픽.pptx
@@ -247,7 +247,7 @@
           <a:p>
             <a:fld id="{126D16F6-A6DC-4F14-98B6-E9C0BF3DA88A}" type="datetimeFigureOut">
               <a:rPr lang="ko-KR" altLang="en-US" smtClean="0"/>
-              <a:t>2026-01-21</a:t>
+              <a:t>2026-01-26</a:t>
             </a:fld>
             <a:endParaRPr lang="ko-KR" altLang="en-US"/>
           </a:p>
@@ -417,7 +417,7 @@
           <a:p>
             <a:fld id="{126D16F6-A6DC-4F14-98B6-E9C0BF3DA88A}" type="datetimeFigureOut">
               <a:rPr lang="ko-KR" altLang="en-US" smtClean="0"/>
-              <a:t>2026-01-21</a:t>
+              <a:t>2026-01-26</a:t>
             </a:fld>
             <a:endParaRPr lang="ko-KR" altLang="en-US"/>
           </a:p>
@@ -597,7 +597,7 @@
           <a:p>
             <a:fld id="{126D16F6-A6DC-4F14-98B6-E9C0BF3DA88A}" type="datetimeFigureOut">
               <a:rPr lang="ko-KR" altLang="en-US" smtClean="0"/>
-              <a:t>2026-01-21</a:t>
+              <a:t>2026-01-26</a:t>
             </a:fld>
             <a:endParaRPr lang="ko-KR" altLang="en-US"/>
           </a:p>
@@ -767,7 +767,7 @@
           <a:p>
             <a:fld id="{126D16F6-A6DC-4F14-98B6-E9C0BF3DA88A}" type="datetimeFigureOut">
               <a:rPr lang="ko-KR" altLang="en-US" smtClean="0"/>
-              <a:t>2026-01-21</a:t>
+              <a:t>2026-01-26</a:t>
             </a:fld>
             <a:endParaRPr lang="ko-KR" altLang="en-US"/>
           </a:p>
@@ -1013,7 +1013,7 @@
           <a:p>
             <a:fld id="{126D16F6-A6DC-4F14-98B6-E9C0BF3DA88A}" type="datetimeFigureOut">
               <a:rPr lang="ko-KR" altLang="en-US" smtClean="0"/>
-              <a:t>2026-01-21</a:t>
+              <a:t>2026-01-26</a:t>
             </a:fld>
             <a:endParaRPr lang="ko-KR" altLang="en-US"/>
           </a:p>
@@ -1245,7 +1245,7 @@
           <a:p>
             <a:fld id="{126D16F6-A6DC-4F14-98B6-E9C0BF3DA88A}" type="datetimeFigureOut">
               <a:rPr lang="ko-KR" altLang="en-US" smtClean="0"/>
-              <a:t>2026-01-21</a:t>
+              <a:t>2026-01-26</a:t>
             </a:fld>
             <a:endParaRPr lang="ko-KR" altLang="en-US"/>
           </a:p>
@@ -1612,7 +1612,7 @@
           <a:p>
             <a:fld id="{126D16F6-A6DC-4F14-98B6-E9C0BF3DA88A}" type="datetimeFigureOut">
               <a:rPr lang="ko-KR" altLang="en-US" smtClean="0"/>
-              <a:t>2026-01-21</a:t>
+              <a:t>2026-01-26</a:t>
             </a:fld>
             <a:endParaRPr lang="ko-KR" altLang="en-US"/>
           </a:p>
@@ -1730,7 +1730,7 @@
           <a:p>
             <a:fld id="{126D16F6-A6DC-4F14-98B6-E9C0BF3DA88A}" type="datetimeFigureOut">
               <a:rPr lang="ko-KR" altLang="en-US" smtClean="0"/>
-              <a:t>2026-01-21</a:t>
+              <a:t>2026-01-26</a:t>
             </a:fld>
             <a:endParaRPr lang="ko-KR" altLang="en-US"/>
           </a:p>
@@ -1825,7 +1825,7 @@
           <a:p>
             <a:fld id="{126D16F6-A6DC-4F14-98B6-E9C0BF3DA88A}" type="datetimeFigureOut">
               <a:rPr lang="ko-KR" altLang="en-US" smtClean="0"/>
-              <a:t>2026-01-21</a:t>
+              <a:t>2026-01-26</a:t>
             </a:fld>
             <a:endParaRPr lang="ko-KR" altLang="en-US"/>
           </a:p>
@@ -2102,7 +2102,7 @@
           <a:p>
             <a:fld id="{126D16F6-A6DC-4F14-98B6-E9C0BF3DA88A}" type="datetimeFigureOut">
               <a:rPr lang="ko-KR" altLang="en-US" smtClean="0"/>
-              <a:t>2026-01-21</a:t>
+              <a:t>2026-01-26</a:t>
             </a:fld>
             <a:endParaRPr lang="ko-KR" altLang="en-US"/>
           </a:p>
@@ -2359,7 +2359,7 @@
           <a:p>
             <a:fld id="{126D16F6-A6DC-4F14-98B6-E9C0BF3DA88A}" type="datetimeFigureOut">
               <a:rPr lang="ko-KR" altLang="en-US" smtClean="0"/>
-              <a:t>2026-01-21</a:t>
+              <a:t>2026-01-26</a:t>
             </a:fld>
             <a:endParaRPr lang="ko-KR" altLang="en-US"/>
           </a:p>
@@ -2572,7 +2572,7 @@
           <a:p>
             <a:fld id="{126D16F6-A6DC-4F14-98B6-E9C0BF3DA88A}" type="datetimeFigureOut">
               <a:rPr lang="ko-KR" altLang="en-US" smtClean="0"/>
-              <a:t>2026-01-21</a:t>
+              <a:t>2026-01-26</a:t>
             </a:fld>
             <a:endParaRPr lang="ko-KR" altLang="en-US"/>
           </a:p>
@@ -2997,7 +2997,7 @@
         </p:nvSpPr>
         <p:spPr>
           <a:xfrm>
-            <a:off x="1841384" y="3465656"/>
+            <a:off x="1845430" y="3465656"/>
             <a:ext cx="937130" cy="586762"/>
           </a:xfrm>
           <a:prstGeom prst="flowChartMagneticDisk">
@@ -3065,7 +3065,7 @@
         </p:nvSpPr>
         <p:spPr>
           <a:xfrm>
-            <a:off x="1834255" y="2998467"/>
+            <a:off x="1842347" y="2998467"/>
             <a:ext cx="937130" cy="586762"/>
           </a:xfrm>
           <a:prstGeom prst="flowChartMagneticDisk">
@@ -3162,7 +3162,7 @@
         </p:nvSpPr>
         <p:spPr>
           <a:xfrm>
-            <a:off x="1834255" y="2525995"/>
+            <a:off x="1842347" y="2525995"/>
             <a:ext cx="937130" cy="586762"/>
           </a:xfrm>
           <a:prstGeom prst="flowChartMagneticDisk">
@@ -3259,7 +3259,7 @@
         </p:nvSpPr>
         <p:spPr>
           <a:xfrm>
-            <a:off x="1834256" y="2058806"/>
+            <a:off x="1842348" y="2058806"/>
             <a:ext cx="937130" cy="586762"/>
           </a:xfrm>
           <a:prstGeom prst="flowChartMagneticDisk">
